--- a/Analysis.pptx
+++ b/Analysis.pptx
@@ -107,6 +107,11 @@
       </a:defRPr>
     </a:lvl9pPr>
   </p:defaultTextStyle>
+  <p:extLst>
+    <p:ext uri="{EFAFB233-063F-42B5-8137-9DF3F51BA10A}">
+      <p15:sldGuideLst xmlns:p15="http://schemas.microsoft.com/office/powerpoint/2012/main"/>
+    </p:ext>
+  </p:extLst>
 </p:presentation>
 </file>
 
@@ -2089,7 +2094,7 @@
 <dgm:dataModel xmlns:dgm="http://schemas.openxmlformats.org/drawingml/2006/diagram" xmlns:a="http://schemas.openxmlformats.org/drawingml/2006/main">
   <dgm:ptLst>
     <dgm:pt modelId="{D8E7774D-09FB-4EDC-B946-639795F86380}" type="doc">
-      <dgm:prSet loTypeId="urn:microsoft.com/office/officeart/2005/8/layout/vList5" loCatId="list" qsTypeId="urn:microsoft.com/office/officeart/2005/8/quickstyle/simple1" qsCatId="simple" csTypeId="urn:microsoft.com/office/officeart/2005/8/colors/colorful1" csCatId="colorful"/>
+      <dgm:prSet loTypeId="urn:microsoft.com/office/officeart/2005/8/layout/vList5" loCatId="list" qsTypeId="urn:microsoft.com/office/officeart/2005/8/quickstyle/simple1" qsCatId="simple" csTypeId="urn:microsoft.com/office/officeart/2005/8/colors/colorful1" csCatId="colorful" phldr="1"/>
       <dgm:spPr/>
       <dgm:t>
         <a:bodyPr/>
@@ -2179,7 +2184,7 @@
         <a:lstStyle/>
         <a:p>
           <a:r>
-            <a:rPr lang="en-US"/>
+            <a:rPr lang="en-US" dirty="0"/>
             <a:t>Receipts missing pricing information were dropped from analysis, but this information could potentially be derived from reverse engineering order totals to fill in gaps.</a:t>
           </a:r>
         </a:p>
@@ -2215,7 +2220,7 @@
         <a:lstStyle/>
         <a:p>
           <a:r>
-            <a:rPr lang="en-US"/>
+            <a:rPr lang="en-US" dirty="0"/>
             <a:t>It is unlikely these steps would skew the final analysis based on how strongly Skechers outperformed their competitors.</a:t>
           </a:r>
         </a:p>
@@ -2242,6 +2247,28 @@
           <a:endParaRPr lang="en-US"/>
         </a:p>
       </dgm:t>
+    </dgm:pt>
+    <dgm:pt modelId="{4F4C1A33-D6FB-479C-AC73-342D7EAB6EE7}">
+      <dgm:prSet/>
+      <dgm:spPr/>
+      <dgm:t>
+        <a:bodyPr/>
+        <a:lstStyle/>
+        <a:p>
+          <a:r>
+            <a:rPr lang="en-US" dirty="0"/>
+            <a:t>A heuristic model to improve the way SKU’s were consolidated and identified could be explored.</a:t>
+          </a:r>
+        </a:p>
+      </dgm:t>
+    </dgm:pt>
+    <dgm:pt modelId="{273A0932-7463-4414-A1CC-AEE2FBDB9BC6}" type="parTrans" cxnId="{A6B9A3BD-0032-4BBE-BF93-2D9DF8818B23}">
+      <dgm:prSet/>
+      <dgm:spPr/>
+    </dgm:pt>
+    <dgm:pt modelId="{CF8E238F-AF43-4CF8-9783-B843199842FB}" type="sibTrans" cxnId="{A6B9A3BD-0032-4BBE-BF93-2D9DF8818B23}">
+      <dgm:prSet/>
+      <dgm:spPr/>
     </dgm:pt>
     <dgm:pt modelId="{9594867C-5284-48DA-8C50-617A2468D56B}" type="pres">
       <dgm:prSet presAssocID="{D8E7774D-09FB-4EDC-B946-639795F86380}" presName="Name0" presStyleCnt="0">
@@ -2276,15 +2303,17 @@
     </dgm:pt>
   </dgm:ptLst>
   <dgm:cxnLst>
-    <dgm:cxn modelId="{F1D3550A-91D7-45CA-88D8-2AC437F3E826}" type="presOf" srcId="{FAB47F3B-1A2B-4E75-AB5B-FE0B25D4D19A}" destId="{3842BFB7-8664-460E-A698-30E0EFB0D1D7}" srcOrd="0" destOrd="2" presId="urn:microsoft.com/office/officeart/2005/8/layout/vList5"/>
+    <dgm:cxn modelId="{F1D3550A-91D7-45CA-88D8-2AC437F3E826}" type="presOf" srcId="{FAB47F3B-1A2B-4E75-AB5B-FE0B25D4D19A}" destId="{3842BFB7-8664-460E-A698-30E0EFB0D1D7}" srcOrd="0" destOrd="3" presId="urn:microsoft.com/office/officeart/2005/8/layout/vList5"/>
     <dgm:cxn modelId="{DD8DDA17-59E4-4C96-ACB1-B53AE81313C7}" srcId="{D8E7774D-09FB-4EDC-B946-639795F86380}" destId="{1B7E1275-C177-4F50-989F-A0158D6BCCDD}" srcOrd="0" destOrd="0" parTransId="{F3C21683-5C61-410C-B7AD-EA651A5D9456}" sibTransId="{4F635FC4-600C-428F-A97C-82CBC9FDF436}"/>
     <dgm:cxn modelId="{AF39DE26-BD29-441E-8057-89EED65B7852}" srcId="{1B7E1275-C177-4F50-989F-A0158D6BCCDD}" destId="{D7B48B67-1462-432E-9F8A-99A5DA98EDE4}" srcOrd="0" destOrd="0" parTransId="{90169D7E-2E07-4935-9880-6BD7679A73FC}" sibTransId="{2E251378-A213-4906-9B7C-2F432CCB8B1F}"/>
-    <dgm:cxn modelId="{9AF4DE5D-2CC5-4177-ADE4-3DEB98C58F78}" srcId="{1B7E1275-C177-4F50-989F-A0158D6BCCDD}" destId="{FAB47F3B-1A2B-4E75-AB5B-FE0B25D4D19A}" srcOrd="2" destOrd="0" parTransId="{6325047D-6C64-4D24-BF06-8A961E62C138}" sibTransId="{3CD76F29-E532-4EF9-93C0-581B95407630}"/>
+    <dgm:cxn modelId="{9AF4DE5D-2CC5-4177-ADE4-3DEB98C58F78}" srcId="{1B7E1275-C177-4F50-989F-A0158D6BCCDD}" destId="{FAB47F3B-1A2B-4E75-AB5B-FE0B25D4D19A}" srcOrd="3" destOrd="0" parTransId="{6325047D-6C64-4D24-BF06-8A961E62C138}" sibTransId="{3CD76F29-E532-4EF9-93C0-581B95407630}"/>
     <dgm:cxn modelId="{87F26968-8DEC-4C30-952B-0B92EBD089F4}" type="presOf" srcId="{E632763B-25EF-40D1-9E5C-39D2B19D353D}" destId="{3842BFB7-8664-460E-A698-30E0EFB0D1D7}" srcOrd="0" destOrd="1" presId="urn:microsoft.com/office/officeart/2005/8/layout/vList5"/>
     <dgm:cxn modelId="{79332B4F-F7E3-431F-BA26-544C0356F2E6}" type="presOf" srcId="{D7B48B67-1462-432E-9F8A-99A5DA98EDE4}" destId="{3842BFB7-8664-460E-A698-30E0EFB0D1D7}" srcOrd="0" destOrd="0" presId="urn:microsoft.com/office/officeart/2005/8/layout/vList5"/>
     <dgm:cxn modelId="{AFEFD292-8D4C-440C-8A84-A5B05732F0FB}" type="presOf" srcId="{1B7E1275-C177-4F50-989F-A0158D6BCCDD}" destId="{5E2E9B6D-CD7F-4DE7-BD1C-964162742DE6}" srcOrd="0" destOrd="0" presId="urn:microsoft.com/office/officeart/2005/8/layout/vList5"/>
     <dgm:cxn modelId="{6DB09597-44A3-4610-AF56-AF74A49C3C6E}" type="presOf" srcId="{D8E7774D-09FB-4EDC-B946-639795F86380}" destId="{9594867C-5284-48DA-8C50-617A2468D56B}" srcOrd="0" destOrd="0" presId="urn:microsoft.com/office/officeart/2005/8/layout/vList5"/>
     <dgm:cxn modelId="{6DBA48A7-D016-423C-89B1-4307A24AB611}" srcId="{1B7E1275-C177-4F50-989F-A0158D6BCCDD}" destId="{E632763B-25EF-40D1-9E5C-39D2B19D353D}" srcOrd="1" destOrd="0" parTransId="{8CB2308D-A499-430E-ADEA-EAC6FB836936}" sibTransId="{4D3BA9E5-6726-4E75-BC85-80B77BD0B5A5}"/>
+    <dgm:cxn modelId="{A6B9A3BD-0032-4BBE-BF93-2D9DF8818B23}" srcId="{1B7E1275-C177-4F50-989F-A0158D6BCCDD}" destId="{4F4C1A33-D6FB-479C-AC73-342D7EAB6EE7}" srcOrd="2" destOrd="0" parTransId="{273A0932-7463-4414-A1CC-AEE2FBDB9BC6}" sibTransId="{CF8E238F-AF43-4CF8-9783-B843199842FB}"/>
+    <dgm:cxn modelId="{E9B70BBF-7DB4-4F65-BC0A-143E012BE01D}" type="presOf" srcId="{4F4C1A33-D6FB-479C-AC73-342D7EAB6EE7}" destId="{3842BFB7-8664-460E-A698-30E0EFB0D1D7}" srcOrd="0" destOrd="2" presId="urn:microsoft.com/office/officeart/2005/8/layout/vList5"/>
     <dgm:cxn modelId="{AA5D3711-35C7-4028-A31D-C5440F958A64}" type="presParOf" srcId="{9594867C-5284-48DA-8C50-617A2468D56B}" destId="{9BA9F5FD-5179-4CE3-8EAD-455B3824AB4C}" srcOrd="0" destOrd="0" presId="urn:microsoft.com/office/officeart/2005/8/layout/vList5"/>
     <dgm:cxn modelId="{C64F78F7-3109-40E1-BF7E-0C9AEF32C5B6}" type="presParOf" srcId="{9BA9F5FD-5179-4CE3-8EAD-455B3824AB4C}" destId="{5E2E9B6D-CD7F-4DE7-BD1C-964162742DE6}" srcOrd="0" destOrd="0" presId="urn:microsoft.com/office/officeart/2005/8/layout/vList5"/>
     <dgm:cxn modelId="{63BAA7DF-6413-4474-91E7-6B55AE6F9C86}" type="presParOf" srcId="{9BA9F5FD-5179-4CE3-8EAD-455B3824AB4C}" destId="{3842BFB7-8664-460E-A698-30E0EFB0D1D7}" srcOrd="1" destOrd="0" presId="urn:microsoft.com/office/officeart/2005/8/layout/vList5"/>
@@ -2815,12 +2844,12 @@
         <a:fontRef idx="minor"/>
       </dsp:style>
       <dsp:txBody>
-        <a:bodyPr spcFirstLastPara="0" vert="horz" wrap="square" lIns="68580" tIns="34290" rIns="68580" bIns="34290" numCol="1" spcCol="1270" anchor="ctr" anchorCtr="0">
+        <a:bodyPr spcFirstLastPara="0" vert="horz" wrap="square" lIns="60960" tIns="30480" rIns="60960" bIns="30480" numCol="1" spcCol="1270" anchor="ctr" anchorCtr="0">
           <a:noAutofit/>
         </a:bodyPr>
         <a:lstStyle/>
         <a:p>
-          <a:pPr marL="171450" lvl="1" indent="-171450" algn="l" defTabSz="800100">
+          <a:pPr marL="171450" lvl="1" indent="-171450" algn="l" defTabSz="711200">
             <a:lnSpc>
               <a:spcPct val="90000"/>
             </a:lnSpc>
@@ -2833,12 +2862,12 @@
             <a:buChar char="•"/>
           </a:pPr>
           <a:r>
-            <a:rPr lang="en-US" sz="1800" kern="1200"/>
+            <a:rPr lang="en-US" sz="1600" kern="1200"/>
             <a:t>Better data cleaning. Only “T-Shirts” and “Socks” were cleaned, but a heuristic based approach may allow for using ML models to automatically determine whether a line item was a “Shoe” or a “Non-Shoe” item.</a:t>
           </a:r>
         </a:p>
         <a:p>
-          <a:pPr marL="171450" lvl="1" indent="-171450" algn="l" defTabSz="800100">
+          <a:pPr marL="171450" lvl="1" indent="-171450" algn="l" defTabSz="711200">
             <a:lnSpc>
               <a:spcPct val="90000"/>
             </a:lnSpc>
@@ -2851,12 +2880,12 @@
             <a:buChar char="•"/>
           </a:pPr>
           <a:r>
-            <a:rPr lang="en-US" sz="1800" kern="1200"/>
+            <a:rPr lang="en-US" sz="1600" kern="1200" dirty="0"/>
             <a:t>Receipts missing pricing information were dropped from analysis, but this information could potentially be derived from reverse engineering order totals to fill in gaps.</a:t>
           </a:r>
         </a:p>
         <a:p>
-          <a:pPr marL="171450" lvl="1" indent="-171450" algn="l" defTabSz="800100">
+          <a:pPr marL="171450" lvl="1" indent="-171450" algn="l" defTabSz="711200">
             <a:lnSpc>
               <a:spcPct val="90000"/>
             </a:lnSpc>
@@ -2869,7 +2898,25 @@
             <a:buChar char="•"/>
           </a:pPr>
           <a:r>
-            <a:rPr lang="en-US" sz="1800" kern="1200"/>
+            <a:rPr lang="en-US" sz="1600" kern="1200" dirty="0"/>
+            <a:t>A heuristic model to improve the way SKU’s were consolidated and identified could be explored.</a:t>
+          </a:r>
+        </a:p>
+        <a:p>
+          <a:pPr marL="171450" lvl="1" indent="-171450" algn="l" defTabSz="711200">
+            <a:lnSpc>
+              <a:spcPct val="90000"/>
+            </a:lnSpc>
+            <a:spcBef>
+              <a:spcPct val="0"/>
+            </a:spcBef>
+            <a:spcAft>
+              <a:spcPct val="15000"/>
+            </a:spcAft>
+            <a:buChar char="•"/>
+          </a:pPr>
+          <a:r>
+            <a:rPr lang="en-US" sz="1600" kern="1200" dirty="0"/>
             <a:t>It is unlikely these steps would skew the final analysis based on how strongly Skechers outperformed their competitors.</a:t>
           </a:r>
         </a:p>
@@ -10792,7 +10839,7 @@
             <p:ph idx="1"/>
             <p:extLst>
               <p:ext uri="{D42A27DB-BD31-4B8C-83A1-F6EECF244321}">
-                <p14:modId xmlns:p14="http://schemas.microsoft.com/office/powerpoint/2010/main" val="3934816054"/>
+                <p14:modId xmlns:p14="http://schemas.microsoft.com/office/powerpoint/2010/main" val="2069858351"/>
               </p:ext>
             </p:extLst>
           </p:nvPr>
